--- a/slides/FormalElements.pptx
+++ b/slides/FormalElements.pptx
@@ -4990,7 +4990,15 @@
           <a:p>
             <a:r>
               <a:rPr lang="en-US" dirty="0"/>
-              <a:t>When you analyze games in your critical eyes, consider these things.</a:t>
+              <a:t>When you analyze your </a:t>
+            </a:r>
+            <a:r>
+              <a:rPr lang="en-US"/>
+              <a:t>game in your design doc, </a:t>
+            </a:r>
+            <a:r>
+              <a:rPr lang="en-US" dirty="0"/>
+              <a:t>consider these things.</a:t>
             </a:r>
           </a:p>
         </p:txBody>
